--- a/img/create-img.pptx
+++ b/img/create-img.pptx
@@ -5,13 +5,14 @@
     <p:sldMasterId id="2147483648" r:id="rId1"/>
   </p:sldMasterIdLst>
   <p:notesMasterIdLst>
-    <p:notesMasterId r:id="rId6"/>
+    <p:notesMasterId r:id="rId7"/>
   </p:notesMasterIdLst>
   <p:sldIdLst>
     <p:sldId id="261" r:id="rId2"/>
     <p:sldId id="258" r:id="rId3"/>
     <p:sldId id="259" r:id="rId4"/>
     <p:sldId id="262" r:id="rId5"/>
+    <p:sldId id="263" r:id="rId6"/>
   </p:sldIdLst>
   <p:sldSz cx="12192000" cy="6858000"/>
   <p:notesSz cx="6858000" cy="9144000"/>
@@ -3927,10 +3928,10 @@
       </p:pic>
       <p:sp>
         <p:nvSpPr>
-          <p:cNvPr id="2" name="TextBox 1">
-            <a:extLst>
-              <a:ext uri="{FF2B5EF4-FFF2-40B4-BE49-F238E27FC236}">
-                <a16:creationId xmlns:a16="http://schemas.microsoft.com/office/drawing/2014/main" id="{23942DA8-7405-6FA6-395C-507E0401535A}"/>
+          <p:cNvPr id="3" name="TextBox 2">
+            <a:extLst>
+              <a:ext uri="{FF2B5EF4-FFF2-40B4-BE49-F238E27FC236}">
+                <a16:creationId xmlns:a16="http://schemas.microsoft.com/office/drawing/2014/main" id="{C6D0947D-4316-42D5-EF2B-4620609ECDCC}"/>
               </a:ext>
             </a:extLst>
           </p:cNvPr>
@@ -3939,8 +3940,8 @@
         </p:nvSpPr>
         <p:spPr>
           <a:xfrm>
-            <a:off x="0" y="190081"/>
-            <a:ext cx="12192000" cy="1323439"/>
+            <a:off x="2809750" y="3956964"/>
+            <a:ext cx="6871983" cy="1477328"/>
           </a:xfrm>
           <a:prstGeom prst="rect">
             <a:avLst/>
@@ -3948,54 +3949,13 @@
           <a:noFill/>
         </p:spPr>
         <p:txBody>
-          <a:bodyPr wrap="square" rtlCol="0">
-            <a:spAutoFit/>
-          </a:bodyPr>
-          <a:lstStyle/>
-          <a:p>
-            <a:pPr algn="ctr"/>
-            <a:r>
-              <a:rPr lang="en-CA" sz="8000" b="1" dirty="0">
-                <a:solidFill>
-                  <a:srgbClr val="00CAEF"/>
-                </a:solidFill>
-                <a:latin typeface="PT Mono" panose="02060509020205020204" pitchFamily="49" charset="77"/>
-              </a:rPr>
-              <a:t>Talk data to me?</a:t>
-            </a:r>
-          </a:p>
-        </p:txBody>
-      </p:sp>
-      <p:sp>
-        <p:nvSpPr>
-          <p:cNvPr id="3" name="TextBox 2">
-            <a:extLst>
-              <a:ext uri="{FF2B5EF4-FFF2-40B4-BE49-F238E27FC236}">
-                <a16:creationId xmlns:a16="http://schemas.microsoft.com/office/drawing/2014/main" id="{C6D0947D-4316-42D5-EF2B-4620609ECDCC}"/>
-              </a:ext>
-            </a:extLst>
-          </p:cNvPr>
-          <p:cNvSpPr txBox="1"/>
-          <p:nvPr/>
-        </p:nvSpPr>
-        <p:spPr>
-          <a:xfrm>
-            <a:off x="2809751" y="3956964"/>
-            <a:ext cx="6529120" cy="2062103"/>
-          </a:xfrm>
-          <a:prstGeom prst="rect">
-            <a:avLst/>
-          </a:prstGeom>
-          <a:noFill/>
-        </p:spPr>
-        <p:txBody>
           <a:bodyPr wrap="square">
             <a:spAutoFit/>
           </a:bodyPr>
           <a:lstStyle/>
           <a:p>
             <a:r>
-              <a:rPr lang="en-CA" sz="3200" dirty="0">
+              <a:rPr lang="en-CA" sz="3000" dirty="0">
                 <a:latin typeface="PT Mono" panose="02060509020205020204" pitchFamily="49" charset="77"/>
               </a:rPr>
               <a:t>Supporting English Language Learners in Statistics and Data Science</a:t>
@@ -4055,6 +4015,47 @@
                 <a:latin typeface="PT Mono" panose="02060509020205020204" pitchFamily="49" charset="77"/>
               </a:rPr>
               <a:t>Nathalie Moon, Samantha-Jo Caetano, J. Sparks, Quin Xie</a:t>
+            </a:r>
+          </a:p>
+        </p:txBody>
+      </p:sp>
+      <p:sp>
+        <p:nvSpPr>
+          <p:cNvPr id="6" name="TextBox 5">
+            <a:extLst>
+              <a:ext uri="{FF2B5EF4-FFF2-40B4-BE49-F238E27FC236}">
+                <a16:creationId xmlns:a16="http://schemas.microsoft.com/office/drawing/2014/main" id="{36F2B3DA-FC9A-9034-E12C-8C83E81AB265}"/>
+              </a:ext>
+            </a:extLst>
+          </p:cNvPr>
+          <p:cNvSpPr txBox="1"/>
+          <p:nvPr/>
+        </p:nvSpPr>
+        <p:spPr>
+          <a:xfrm>
+            <a:off x="0" y="14236"/>
+            <a:ext cx="12192000" cy="1569660"/>
+          </a:xfrm>
+          <a:prstGeom prst="rect">
+            <a:avLst/>
+          </a:prstGeom>
+          <a:noFill/>
+        </p:spPr>
+        <p:txBody>
+          <a:bodyPr wrap="square" rtlCol="0">
+            <a:spAutoFit/>
+          </a:bodyPr>
+          <a:lstStyle/>
+          <a:p>
+            <a:pPr algn="ctr"/>
+            <a:r>
+              <a:rPr lang="en-CA" sz="9600" b="1" dirty="0">
+                <a:solidFill>
+                  <a:srgbClr val="1F2BD4"/>
+                </a:solidFill>
+                <a:latin typeface="PT Mono" panose="02060509020205020204" pitchFamily="49" charset="77"/>
+              </a:rPr>
+              <a:t>Talk data to me?</a:t>
             </a:r>
           </a:p>
         </p:txBody>
@@ -4263,43 +4264,6 @@
       </p:pic>
       <p:sp>
         <p:nvSpPr>
-          <p:cNvPr id="8" name="TextBox 7">
-            <a:extLst>
-              <a:ext uri="{FF2B5EF4-FFF2-40B4-BE49-F238E27FC236}">
-                <a16:creationId xmlns:a16="http://schemas.microsoft.com/office/drawing/2014/main" id="{A0074362-71E6-2EE8-6F76-979716C2F0D0}"/>
-              </a:ext>
-            </a:extLst>
-          </p:cNvPr>
-          <p:cNvSpPr txBox="1"/>
-          <p:nvPr/>
-        </p:nvSpPr>
-        <p:spPr>
-          <a:xfrm>
-            <a:off x="2809751" y="3956964"/>
-            <a:ext cx="6529120" cy="2062103"/>
-          </a:xfrm>
-          <a:prstGeom prst="rect">
-            <a:avLst/>
-          </a:prstGeom>
-          <a:noFill/>
-        </p:spPr>
-        <p:txBody>
-          <a:bodyPr wrap="square">
-            <a:spAutoFit/>
-          </a:bodyPr>
-          <a:lstStyle/>
-          <a:p>
-            <a:r>
-              <a:rPr lang="en-CA" sz="3200" dirty="0">
-                <a:latin typeface="PT Mono" panose="02060509020205020204" pitchFamily="49" charset="77"/>
-              </a:rPr>
-              <a:t>Supporting English Language Learners in Statistics and Data Science</a:t>
-            </a:r>
-          </a:p>
-        </p:txBody>
-      </p:sp>
-      <p:sp>
-        <p:nvSpPr>
           <p:cNvPr id="13" name="TextBox 12">
             <a:extLst>
               <a:ext uri="{FF2B5EF4-FFF2-40B4-BE49-F238E27FC236}">
@@ -4356,10 +4320,10 @@
       </p:sp>
       <p:sp>
         <p:nvSpPr>
-          <p:cNvPr id="18" name="TextBox 17">
-            <a:extLst>
-              <a:ext uri="{FF2B5EF4-FFF2-40B4-BE49-F238E27FC236}">
-                <a16:creationId xmlns:a16="http://schemas.microsoft.com/office/drawing/2014/main" id="{253BA64A-AE4A-E620-DCE9-37DDD7E7BD71}"/>
+          <p:cNvPr id="19" name="TextBox 18">
+            <a:extLst>
+              <a:ext uri="{FF2B5EF4-FFF2-40B4-BE49-F238E27FC236}">
+                <a16:creationId xmlns:a16="http://schemas.microsoft.com/office/drawing/2014/main" id="{18912A89-C2E1-EB7F-A765-8FD5C8CFE3D6}"/>
               </a:ext>
             </a:extLst>
           </p:cNvPr>
@@ -4368,8 +4332,8 @@
         </p:nvSpPr>
         <p:spPr>
           <a:xfrm>
-            <a:off x="0" y="190081"/>
-            <a:ext cx="12192000" cy="1323439"/>
+            <a:off x="0" y="14236"/>
+            <a:ext cx="12192000" cy="1569660"/>
           </a:xfrm>
           <a:prstGeom prst="rect">
             <a:avLst/>
@@ -4384,13 +4348,50 @@
           <a:p>
             <a:pPr algn="ctr"/>
             <a:r>
-              <a:rPr lang="en-CA" sz="8000" b="1" dirty="0">
+              <a:rPr lang="en-CA" sz="9600" b="1" dirty="0">
                 <a:solidFill>
-                  <a:srgbClr val="00CAEF"/>
+                  <a:srgbClr val="1F2BD4"/>
                 </a:solidFill>
                 <a:latin typeface="PT Mono" panose="02060509020205020204" pitchFamily="49" charset="77"/>
               </a:rPr>
               <a:t>Talk data to me?</a:t>
+            </a:r>
+          </a:p>
+        </p:txBody>
+      </p:sp>
+      <p:sp>
+        <p:nvSpPr>
+          <p:cNvPr id="20" name="TextBox 19">
+            <a:extLst>
+              <a:ext uri="{FF2B5EF4-FFF2-40B4-BE49-F238E27FC236}">
+                <a16:creationId xmlns:a16="http://schemas.microsoft.com/office/drawing/2014/main" id="{FC9AABEA-A654-8C7C-3C89-1CF97C8A875E}"/>
+              </a:ext>
+            </a:extLst>
+          </p:cNvPr>
+          <p:cNvSpPr txBox="1"/>
+          <p:nvPr/>
+        </p:nvSpPr>
+        <p:spPr>
+          <a:xfrm>
+            <a:off x="2809750" y="3956964"/>
+            <a:ext cx="6871983" cy="1477328"/>
+          </a:xfrm>
+          <a:prstGeom prst="rect">
+            <a:avLst/>
+          </a:prstGeom>
+          <a:noFill/>
+        </p:spPr>
+        <p:txBody>
+          <a:bodyPr wrap="square">
+            <a:spAutoFit/>
+          </a:bodyPr>
+          <a:lstStyle/>
+          <a:p>
+            <a:r>
+              <a:rPr lang="en-CA" sz="3000" dirty="0">
+                <a:latin typeface="PT Mono" panose="02060509020205020204" pitchFamily="49" charset="77"/>
+              </a:rPr>
+              <a:t>Supporting English Language Learners in Statistics and Data Science</a:t>
             </a:r>
           </a:p>
         </p:txBody>
@@ -4806,6 +4807,66 @@
     <p:extLst>
       <p:ext uri="{BB962C8B-B14F-4D97-AF65-F5344CB8AC3E}">
         <p14:creationId xmlns:p14="http://schemas.microsoft.com/office/powerpoint/2010/main" val="2359033952"/>
+      </p:ext>
+    </p:extLst>
+  </p:cSld>
+  <p:clrMapOvr>
+    <a:masterClrMapping/>
+  </p:clrMapOvr>
+</p:sld>
+</file>
+
+<file path=ppt/slides/slide5.xml><?xml version="1.0" encoding="utf-8"?>
+<p:sld xmlns:a="http://schemas.openxmlformats.org/drawingml/2006/main" xmlns:r="http://schemas.openxmlformats.org/officeDocument/2006/relationships" xmlns:p="http://schemas.openxmlformats.org/presentationml/2006/main">
+  <p:cSld>
+    <p:spTree>
+      <p:nvGrpSpPr>
+        <p:cNvPr id="1" name=""/>
+        <p:cNvGrpSpPr/>
+        <p:nvPr/>
+      </p:nvGrpSpPr>
+      <p:grpSpPr>
+        <a:xfrm>
+          <a:off x="0" y="0"/>
+          <a:ext cx="0" cy="0"/>
+          <a:chOff x="0" y="0"/>
+          <a:chExt cx="0" cy="0"/>
+        </a:xfrm>
+      </p:grpSpPr>
+      <p:pic>
+        <p:nvPicPr>
+          <p:cNvPr id="5" name="Content Placeholder 4" descr="A cartoon of a person sitting in a chair&#10;&#10;AI-generated content may be incorrect.">
+            <a:extLst>
+              <a:ext uri="{FF2B5EF4-FFF2-40B4-BE49-F238E27FC236}">
+                <a16:creationId xmlns:a16="http://schemas.microsoft.com/office/drawing/2014/main" id="{D0CB4ACB-D764-55D0-FC23-2FF0D4F34F0F}"/>
+              </a:ext>
+            </a:extLst>
+          </p:cNvPr>
+          <p:cNvPicPr>
+            <a:picLocks noGrp="1" noChangeAspect="1"/>
+          </p:cNvPicPr>
+          <p:nvPr>
+            <p:ph idx="1"/>
+          </p:nvPr>
+        </p:nvPicPr>
+        <p:blipFill>
+          <a:blip r:embed="rId2"/>
+          <a:srcRect l="3526" t="19471" r="3931" b="20719"/>
+          <a:stretch>
+            <a:fillRect/>
+          </a:stretch>
+        </p:blipFill>
+        <p:spPr>
+          <a:xfrm>
+            <a:off x="679938" y="363415"/>
+            <a:ext cx="2684585" cy="2602523"/>
+          </a:xfrm>
+        </p:spPr>
+      </p:pic>
+    </p:spTree>
+    <p:extLst>
+      <p:ext uri="{BB962C8B-B14F-4D97-AF65-F5344CB8AC3E}">
+        <p14:creationId xmlns:p14="http://schemas.microsoft.com/office/powerpoint/2010/main" val="2225296232"/>
       </p:ext>
     </p:extLst>
   </p:cSld>
